--- a/Document/Python_and_Cybersecurity.pptx
+++ b/Document/Python_and_Cybersecurity.pptx
@@ -268,7 +268,7 @@
       </p15:sldGuideLst>
     </p:ext>
     <p:ext uri="http://customooxmlschemas.google.com/">
-      <go:slidesCustomData xmlns="" xmlns:mc="http://schemas.openxmlformats.org/markup-compatibility/2006" xmlns:mv="urn:schemas-microsoft-com:mac:vml" xmlns:c="http://schemas.openxmlformats.org/drawingml/2006/chart" xmlns:dgm="http://schemas.openxmlformats.org/drawingml/2006/diagram" xmlns:o="urn:schemas-microsoft-com:office:office" xmlns:v="urn:schemas-microsoft-com:vml" xmlns:pvml="urn:schemas-microsoft-com:office:powerpoint" xmlns:com="http://schemas.openxmlformats.org/drawingml/2006/compatibility" xmlns:p14="http://schemas.microsoft.com/office/powerpoint/2010/main" xmlns:p15="http://schemas.microsoft.com/office/powerpoint/2012/main" xmlns:ahyp="http://schemas.microsoft.com/office/drawing/2018/hyperlinkcolor" xmlns:go="http://customooxmlschemas.google.com/" r:id="rId15" roundtripDataSignature="AMtx7mhvvFgmS7Yl1LcPls9oJLIOvrEUrQ=="/>
+      <go:slidesCustomData xmlns:go="http://customooxmlschemas.google.com/" xmlns:ahyp="http://schemas.microsoft.com/office/drawing/2018/hyperlinkcolor" xmlns:p15="http://schemas.microsoft.com/office/powerpoint/2012/main" xmlns:p14="http://schemas.microsoft.com/office/powerpoint/2010/main" xmlns:com="http://schemas.openxmlformats.org/drawingml/2006/compatibility" xmlns:pvml="urn:schemas-microsoft-com:office:powerpoint" xmlns:v="urn:schemas-microsoft-com:vml" xmlns:o="urn:schemas-microsoft-com:office:office" xmlns:dgm="http://schemas.openxmlformats.org/drawingml/2006/diagram" xmlns:c="http://schemas.openxmlformats.org/drawingml/2006/chart" xmlns:mv="urn:schemas-microsoft-com:mac:vml" xmlns:mc="http://schemas.openxmlformats.org/markup-compatibility/2006" xmlns="" r:id="rId15" roundtripDataSignature="AMtx7mhvvFgmS7Yl1LcPls9oJLIOvrEUrQ=="/>
     </p:ext>
   </p:extLst>
 </p:presentation>

--- a/Document/Python_and_Cybersecurity.pptx
+++ b/Document/Python_and_Cybersecurity.pptx
@@ -268,7 +268,7 @@
       </p15:sldGuideLst>
     </p:ext>
     <p:ext uri="http://customooxmlschemas.google.com/">
-      <go:slidesCustomData xmlns:go="http://customooxmlschemas.google.com/" xmlns:ahyp="http://schemas.microsoft.com/office/drawing/2018/hyperlinkcolor" xmlns:p15="http://schemas.microsoft.com/office/powerpoint/2012/main" xmlns:p14="http://schemas.microsoft.com/office/powerpoint/2010/main" xmlns:com="http://schemas.openxmlformats.org/drawingml/2006/compatibility" xmlns:pvml="urn:schemas-microsoft-com:office:powerpoint" xmlns:v="urn:schemas-microsoft-com:vml" xmlns:o="urn:schemas-microsoft-com:office:office" xmlns:dgm="http://schemas.openxmlformats.org/drawingml/2006/diagram" xmlns:c="http://schemas.openxmlformats.org/drawingml/2006/chart" xmlns:mv="urn:schemas-microsoft-com:mac:vml" xmlns:mc="http://schemas.openxmlformats.org/markup-compatibility/2006" xmlns="" r:id="rId15" roundtripDataSignature="AMtx7mhvvFgmS7Yl1LcPls9oJLIOvrEUrQ=="/>
+      <go:slidesCustomData xmlns="" xmlns:mc="http://schemas.openxmlformats.org/markup-compatibility/2006" xmlns:mv="urn:schemas-microsoft-com:mac:vml" xmlns:c="http://schemas.openxmlformats.org/drawingml/2006/chart" xmlns:dgm="http://schemas.openxmlformats.org/drawingml/2006/diagram" xmlns:o="urn:schemas-microsoft-com:office:office" xmlns:v="urn:schemas-microsoft-com:vml" xmlns:pvml="urn:schemas-microsoft-com:office:powerpoint" xmlns:com="http://schemas.openxmlformats.org/drawingml/2006/compatibility" xmlns:p14="http://schemas.microsoft.com/office/powerpoint/2010/main" xmlns:p15="http://schemas.microsoft.com/office/powerpoint/2012/main" xmlns:ahyp="http://schemas.microsoft.com/office/drawing/2018/hyperlinkcolor" xmlns:go="http://customooxmlschemas.google.com/" r:id="rId15" roundtripDataSignature="AMtx7mhvvFgmS7Yl1LcPls9oJLIOvrEUrQ=="/>
     </p:ext>
   </p:extLst>
 </p:presentation>
@@ -4882,8 +4882,8 @@
         </p:nvSpPr>
         <p:spPr>
           <a:xfrm>
-            <a:off x="435092" y="1610783"/>
-            <a:ext cx="8273815" cy="1921934"/>
+            <a:off x="435092" y="1610782"/>
+            <a:ext cx="8273815" cy="3352717"/>
           </a:xfrm>
           <a:prstGeom prst="rect">
             <a:avLst/>
@@ -4917,36 +4917,249 @@
               <a:buChar char="•"/>
             </a:pPr>
             <a:r>
-              <a:rPr lang="en-US" sz="2400" dirty="0">
-                <a:solidFill>
-                  <a:schemeClr val="lt1"/>
-                </a:solidFill>
-                <a:latin typeface="Calibri"/>
-                <a:ea typeface="Calibri"/>
-                <a:cs typeface="Calibri"/>
-                <a:sym typeface="Calibri"/>
-              </a:rPr>
-              <a:t>G</a:t>
-            </a:r>
-            <a:r>
-              <a:rPr lang="en-US" sz="2400" b="0" i="0" u="none" strike="noStrike" cap="none" dirty="0">
-                <a:solidFill>
-                  <a:schemeClr val="lt1"/>
-                </a:solidFill>
-                <a:latin typeface="Calibri"/>
-                <a:ea typeface="Calibri"/>
-                <a:cs typeface="Calibri"/>
-                <a:sym typeface="Calibri"/>
-              </a:rPr>
-              <a:t>ithub.com/Arsh1101</a:t>
-            </a:r>
-            <a:endParaRPr sz="2400" b="0" i="0" u="none" strike="noStrike" cap="none" dirty="0">
+              <a:rPr lang="en-US" sz="2000" b="0" i="0" u="none" strike="noStrike" cap="none" dirty="0">
+                <a:solidFill>
+                  <a:srgbClr val="FFAE38"/>
+                </a:solidFill>
+                <a:latin typeface="Calibri" panose="020F0502020204030204" pitchFamily="34" charset="0"/>
+                <a:ea typeface="Calibri" panose="020F0502020204030204" pitchFamily="34" charset="0"/>
+                <a:cs typeface="Calibri" panose="020F0502020204030204" pitchFamily="34" charset="0"/>
+                <a:sym typeface="Calibri"/>
+                <a:hlinkClick r:id="rId3">
+                  <a:extLst>
+                    <a:ext uri="{A12FA001-AC4F-418D-AE19-62706E023703}">
+                      <ahyp:hlinkClr xmlns:ahyp="http://schemas.microsoft.com/office/drawing/2018/hyperlinkcolor" val="tx"/>
+                    </a:ext>
+                  </a:extLst>
+                </a:hlinkClick>
+              </a:rPr>
+              <a:t>www.github.com/Arsh1101/CyberFest-2023-April</a:t>
+            </a:r>
+            <a:endParaRPr lang="en-US" sz="2000" b="0" i="0" u="none" strike="noStrike" cap="none" dirty="0">
               <a:solidFill>
+                <a:srgbClr val="FFAE38"/>
+              </a:solidFill>
+              <a:latin typeface="Calibri" panose="020F0502020204030204" pitchFamily="34" charset="0"/>
+              <a:ea typeface="Calibri" panose="020F0502020204030204" pitchFamily="34" charset="0"/>
+              <a:cs typeface="Calibri" panose="020F0502020204030204" pitchFamily="34" charset="0"/>
+              <a:sym typeface="Calibri"/>
+            </a:endParaRPr>
+          </a:p>
+          <a:p>
+            <a:pPr marL="342900" marR="0" lvl="0" indent="-342900" algn="l" rtl="0">
+              <a:lnSpc>
+                <a:spcPct val="150000"/>
+              </a:lnSpc>
+              <a:spcBef>
+                <a:spcPts val="0"/>
+              </a:spcBef>
+              <a:spcAft>
+                <a:spcPts val="0"/>
+              </a:spcAft>
+              <a:buClr>
                 <a:schemeClr val="lt1"/>
+              </a:buClr>
+              <a:buSzPts val="2400"/>
+              <a:buFont typeface="Arial" panose="020B0604020202020204" pitchFamily="34" charset="0"/>
+              <a:buChar char="•"/>
+            </a:pPr>
+            <a:r>
+              <a:rPr lang="en-US" sz="2000" dirty="0">
+                <a:solidFill>
+                  <a:srgbClr val="FFAE38"/>
+                </a:solidFill>
+                <a:latin typeface="Calibri" panose="020F0502020204030204" pitchFamily="34" charset="0"/>
+                <a:ea typeface="Calibri" panose="020F0502020204030204" pitchFamily="34" charset="0"/>
+                <a:cs typeface="Calibri" panose="020F0502020204030204" pitchFamily="34" charset="0"/>
+                <a:hlinkClick r:id="rId4">
+                  <a:extLst>
+                    <a:ext uri="{A12FA001-AC4F-418D-AE19-62706E023703}">
+                      <ahyp:hlinkClr xmlns:ahyp="http://schemas.microsoft.com/office/drawing/2018/hyperlinkcolor" val="tx"/>
+                    </a:ext>
+                  </a:extLst>
+                </a:hlinkClick>
+              </a:rPr>
+              <a:t>Python Tutorials – Real Python</a:t>
+            </a:r>
+            <a:endParaRPr lang="en-US" sz="2000" b="0" i="0" u="none" strike="noStrike" cap="none" dirty="0">
+              <a:solidFill>
+                <a:srgbClr val="FFAE38"/>
               </a:solidFill>
-              <a:latin typeface="Calibri"/>
-              <a:ea typeface="Calibri"/>
-              <a:cs typeface="Calibri"/>
+              <a:latin typeface="Calibri" panose="020F0502020204030204" pitchFamily="34" charset="0"/>
+              <a:ea typeface="Calibri" panose="020F0502020204030204" pitchFamily="34" charset="0"/>
+              <a:cs typeface="Calibri" panose="020F0502020204030204" pitchFamily="34" charset="0"/>
+              <a:sym typeface="Calibri"/>
+            </a:endParaRPr>
+          </a:p>
+          <a:p>
+            <a:pPr marL="342900" marR="0" lvl="0" indent="-342900" algn="l" rtl="0">
+              <a:lnSpc>
+                <a:spcPct val="150000"/>
+              </a:lnSpc>
+              <a:spcBef>
+                <a:spcPts val="0"/>
+              </a:spcBef>
+              <a:spcAft>
+                <a:spcPts val="0"/>
+              </a:spcAft>
+              <a:buClr>
+                <a:schemeClr val="lt1"/>
+              </a:buClr>
+              <a:buSzPts val="2400"/>
+              <a:buFont typeface="Arial" panose="020B0604020202020204" pitchFamily="34" charset="0"/>
+              <a:buChar char="•"/>
+            </a:pPr>
+            <a:r>
+              <a:rPr lang="en-US" sz="2000" b="0" i="0" u="none" strike="noStrike" cap="none" dirty="0">
+                <a:solidFill>
+                  <a:srgbClr val="FFAE38"/>
+                </a:solidFill>
+                <a:latin typeface="Calibri" panose="020F0502020204030204" pitchFamily="34" charset="0"/>
+                <a:ea typeface="Calibri" panose="020F0502020204030204" pitchFamily="34" charset="0"/>
+                <a:cs typeface="Calibri" panose="020F0502020204030204" pitchFamily="34" charset="0"/>
+                <a:sym typeface="Calibri"/>
+                <a:hlinkClick r:id="rId5">
+                  <a:extLst>
+                    <a:ext uri="{A12FA001-AC4F-418D-AE19-62706E023703}">
+                      <ahyp:hlinkClr xmlns:ahyp="http://schemas.microsoft.com/office/drawing/2018/hyperlinkcolor" val="tx"/>
+                    </a:ext>
+                  </a:extLst>
+                </a:hlinkClick>
+              </a:rPr>
+              <a:t>https://www.pythonstacks.com/blog/post/python-libraries-hacking/</a:t>
+            </a:r>
+            <a:endParaRPr lang="en-US" sz="2000" b="0" i="0" u="none" strike="noStrike" cap="none" dirty="0">
+              <a:solidFill>
+                <a:srgbClr val="FFAE38"/>
+              </a:solidFill>
+              <a:latin typeface="Calibri" panose="020F0502020204030204" pitchFamily="34" charset="0"/>
+              <a:ea typeface="Calibri" panose="020F0502020204030204" pitchFamily="34" charset="0"/>
+              <a:cs typeface="Calibri" panose="020F0502020204030204" pitchFamily="34" charset="0"/>
+              <a:sym typeface="Calibri"/>
+            </a:endParaRPr>
+          </a:p>
+          <a:p>
+            <a:pPr marL="342900" marR="0" lvl="0" indent="-342900" algn="l" rtl="0">
+              <a:lnSpc>
+                <a:spcPct val="150000"/>
+              </a:lnSpc>
+              <a:spcBef>
+                <a:spcPts val="0"/>
+              </a:spcBef>
+              <a:spcAft>
+                <a:spcPts val="0"/>
+              </a:spcAft>
+              <a:buClr>
+                <a:schemeClr val="lt1"/>
+              </a:buClr>
+              <a:buSzPts val="2400"/>
+              <a:buFont typeface="Arial" panose="020B0604020202020204" pitchFamily="34" charset="0"/>
+              <a:buChar char="•"/>
+            </a:pPr>
+            <a:r>
+              <a:rPr lang="en-US" sz="2000" dirty="0">
+                <a:solidFill>
+                  <a:srgbClr val="FFAE38"/>
+                </a:solidFill>
+                <a:latin typeface="Calibri" panose="020F0502020204030204" pitchFamily="34" charset="0"/>
+                <a:ea typeface="Calibri" panose="020F0502020204030204" pitchFamily="34" charset="0"/>
+                <a:cs typeface="Calibri" panose="020F0502020204030204" pitchFamily="34" charset="0"/>
+                <a:hlinkClick r:id="rId6">
+                  <a:extLst>
+                    <a:ext uri="{A12FA001-AC4F-418D-AE19-62706E023703}">
+                      <ahyp:hlinkClr xmlns:ahyp="http://schemas.microsoft.com/office/drawing/2018/hyperlinkcolor" val="tx"/>
+                    </a:ext>
+                  </a:extLst>
+                </a:hlinkClick>
+              </a:rPr>
+              <a:t>Python Tutorial (w3schools.com)</a:t>
+            </a:r>
+            <a:endParaRPr lang="en-US" sz="2000" dirty="0">
+              <a:solidFill>
+                <a:srgbClr val="FFAE38"/>
+              </a:solidFill>
+              <a:latin typeface="Calibri" panose="020F0502020204030204" pitchFamily="34" charset="0"/>
+              <a:ea typeface="Calibri" panose="020F0502020204030204" pitchFamily="34" charset="0"/>
+              <a:cs typeface="Calibri" panose="020F0502020204030204" pitchFamily="34" charset="0"/>
+            </a:endParaRPr>
+          </a:p>
+          <a:p>
+            <a:pPr marL="342900" marR="0" lvl="0" indent="-342900" algn="l" rtl="0">
+              <a:lnSpc>
+                <a:spcPct val="150000"/>
+              </a:lnSpc>
+              <a:spcBef>
+                <a:spcPts val="0"/>
+              </a:spcBef>
+              <a:spcAft>
+                <a:spcPts val="0"/>
+              </a:spcAft>
+              <a:buClr>
+                <a:schemeClr val="lt1"/>
+              </a:buClr>
+              <a:buSzPts val="2400"/>
+              <a:buFont typeface="Arial" panose="020B0604020202020204" pitchFamily="34" charset="0"/>
+              <a:buChar char="•"/>
+            </a:pPr>
+            <a:r>
+              <a:rPr lang="en-US" sz="2000" dirty="0" err="1">
+                <a:solidFill>
+                  <a:srgbClr val="FFAE38"/>
+                </a:solidFill>
+                <a:latin typeface="Calibri" panose="020F0502020204030204" pitchFamily="34" charset="0"/>
+                <a:ea typeface="Calibri" panose="020F0502020204030204" pitchFamily="34" charset="0"/>
+                <a:cs typeface="Calibri" panose="020F0502020204030204" pitchFamily="34" charset="0"/>
+                <a:sym typeface="Calibri"/>
+              </a:rPr>
+              <a:t>ChatGPT</a:t>
+            </a:r>
+            <a:endParaRPr lang="en-US" sz="2000" dirty="0">
+              <a:solidFill>
+                <a:srgbClr val="FFAE38"/>
+              </a:solidFill>
+              <a:latin typeface="Calibri" panose="020F0502020204030204" pitchFamily="34" charset="0"/>
+              <a:ea typeface="Calibri" panose="020F0502020204030204" pitchFamily="34" charset="0"/>
+              <a:cs typeface="Calibri" panose="020F0502020204030204" pitchFamily="34" charset="0"/>
+              <a:sym typeface="Calibri"/>
+            </a:endParaRPr>
+          </a:p>
+          <a:p>
+            <a:pPr marL="342900" marR="0" lvl="0" indent="-342900" algn="l" rtl="0">
+              <a:lnSpc>
+                <a:spcPct val="150000"/>
+              </a:lnSpc>
+              <a:spcBef>
+                <a:spcPts val="0"/>
+              </a:spcBef>
+              <a:spcAft>
+                <a:spcPts val="0"/>
+              </a:spcAft>
+              <a:buClr>
+                <a:schemeClr val="lt1"/>
+              </a:buClr>
+              <a:buSzPts val="2400"/>
+              <a:buFont typeface="Arial" panose="020B0604020202020204" pitchFamily="34" charset="0"/>
+              <a:buChar char="•"/>
+            </a:pPr>
+            <a:r>
+              <a:rPr lang="en-US" sz="2000" dirty="0">
+                <a:solidFill>
+                  <a:srgbClr val="FFAE38"/>
+                </a:solidFill>
+                <a:latin typeface="Calibri" panose="020F0502020204030204" pitchFamily="34" charset="0"/>
+                <a:ea typeface="Calibri" panose="020F0502020204030204" pitchFamily="34" charset="0"/>
+                <a:cs typeface="Calibri" panose="020F0502020204030204" pitchFamily="34" charset="0"/>
+                <a:sym typeface="Calibri"/>
+              </a:rPr>
+              <a:t>Documentation of each tool…</a:t>
+            </a:r>
+            <a:endParaRPr sz="2000" b="0" i="0" u="none" strike="noStrike" cap="none" dirty="0">
+              <a:solidFill>
+                <a:srgbClr val="FFAE38"/>
+              </a:solidFill>
+              <a:latin typeface="Calibri" panose="020F0502020204030204" pitchFamily="34" charset="0"/>
+              <a:ea typeface="Calibri" panose="020F0502020204030204" pitchFamily="34" charset="0"/>
+              <a:cs typeface="Calibri" panose="020F0502020204030204" pitchFamily="34" charset="0"/>
               <a:sym typeface="Calibri"/>
             </a:endParaRPr>
           </a:p>

--- a/Document/Python_and_Cybersecurity.pptx
+++ b/Document/Python_and_Cybersecurity.pptx
@@ -268,7 +268,7 @@
       </p15:sldGuideLst>
     </p:ext>
     <p:ext uri="http://customooxmlschemas.google.com/">
-      <go:slidesCustomData xmlns="" xmlns:mc="http://schemas.openxmlformats.org/markup-compatibility/2006" xmlns:mv="urn:schemas-microsoft-com:mac:vml" xmlns:c="http://schemas.openxmlformats.org/drawingml/2006/chart" xmlns:dgm="http://schemas.openxmlformats.org/drawingml/2006/diagram" xmlns:o="urn:schemas-microsoft-com:office:office" xmlns:v="urn:schemas-microsoft-com:vml" xmlns:pvml="urn:schemas-microsoft-com:office:powerpoint" xmlns:com="http://schemas.openxmlformats.org/drawingml/2006/compatibility" xmlns:p14="http://schemas.microsoft.com/office/powerpoint/2010/main" xmlns:p15="http://schemas.microsoft.com/office/powerpoint/2012/main" xmlns:ahyp="http://schemas.microsoft.com/office/drawing/2018/hyperlinkcolor" xmlns:go="http://customooxmlschemas.google.com/" r:id="rId15" roundtripDataSignature="AMtx7mhvvFgmS7Yl1LcPls9oJLIOvrEUrQ=="/>
+      <go:slidesCustomData xmlns:go="http://customooxmlschemas.google.com/" xmlns:ahyp="http://schemas.microsoft.com/office/drawing/2018/hyperlinkcolor" xmlns:p15="http://schemas.microsoft.com/office/powerpoint/2012/main" xmlns:p14="http://schemas.microsoft.com/office/powerpoint/2010/main" xmlns:com="http://schemas.openxmlformats.org/drawingml/2006/compatibility" xmlns:pvml="urn:schemas-microsoft-com:office:powerpoint" xmlns:v="urn:schemas-microsoft-com:vml" xmlns:o="urn:schemas-microsoft-com:office:office" xmlns:dgm="http://schemas.openxmlformats.org/drawingml/2006/diagram" xmlns:c="http://schemas.openxmlformats.org/drawingml/2006/chart" xmlns:mv="urn:schemas-microsoft-com:mac:vml" xmlns:mc="http://schemas.openxmlformats.org/markup-compatibility/2006" xmlns="" r:id="rId15" roundtripDataSignature="AMtx7mhvvFgmS7Yl1LcPls9oJLIOvrEUrQ=="/>
     </p:ext>
   </p:extLst>
 </p:presentation>
@@ -7462,8 +7462,36 @@
                 <a:cs typeface="Calibri"/>
                 <a:sym typeface="Calibri"/>
               </a:rPr>
-              <a:t>pycrypto</a:t>
-            </a:r>
+              <a:t>pycryptodome</a:t>
+            </a:r>
+            <a:endParaRPr lang="en-US" sz="2000" b="0" i="0" u="none" strike="noStrike" cap="none" dirty="0">
+              <a:solidFill>
+                <a:srgbClr val="FFAE38"/>
+              </a:solidFill>
+              <a:latin typeface="Calibri"/>
+              <a:ea typeface="Calibri"/>
+              <a:cs typeface="Calibri"/>
+              <a:sym typeface="Calibri"/>
+            </a:endParaRPr>
+          </a:p>
+          <a:p>
+            <a:pPr marL="342900" marR="0" lvl="0" indent="-342900" algn="l" rtl="0">
+              <a:lnSpc>
+                <a:spcPct val="150000"/>
+              </a:lnSpc>
+              <a:spcBef>
+                <a:spcPts val="0"/>
+              </a:spcBef>
+              <a:spcAft>
+                <a:spcPts val="0"/>
+              </a:spcAft>
+              <a:buClr>
+                <a:schemeClr val="lt1"/>
+              </a:buClr>
+              <a:buSzPts val="2400"/>
+              <a:buFont typeface="Arial" panose="020B0604020202020204" pitchFamily="34" charset="0"/>
+              <a:buChar char="•"/>
+            </a:pPr>
             <a:r>
               <a:rPr lang="en-US" sz="2000" b="0" i="0" u="none" strike="noStrike" cap="none" dirty="0">
                 <a:solidFill>
